--- a/output/slide02.pptx
+++ b/output/slide02.pptx
@@ -3139,8 +3139,8 @@
         </p:nvSpPr>
         <p:spPr>
           <a:xfrm>
-            <a:off x="762000" y="1143000"/>
-            <a:ext cx="16764000" cy="571500"/>
+            <a:off x="762000" y="571500"/>
+            <a:ext cx="16764000" cy="685800"/>
           </a:xfrm>
           <a:prstGeom prst="rect">
             <a:avLst/>
@@ -3155,7 +3155,7 @@
           <a:p>
             <a:r>
               <a:rPr sz="4800" b="1">
-                <a:latin typeface="Microsoft YaHei"/>
+                <a:latin typeface="Source Han Sans CN Bold"/>
               </a:rPr>
               <a:t>典型安全事件案例及处置</a:t>
             </a:r>
@@ -3170,8 +3170,8 @@
         </p:nvSpPr>
         <p:spPr>
           <a:xfrm>
-            <a:off x="762000" y="1790700"/>
-            <a:ext cx="16764000" cy="476250"/>
+            <a:off x="762000" y="1333500"/>
+            <a:ext cx="16764000" cy="514350"/>
           </a:xfrm>
           <a:prstGeom prst="rect">
             <a:avLst/>
@@ -3189,7 +3189,7 @@
                 <a:solidFill>
                   <a:srgbClr val="0A4275"/>
                 </a:solidFill>
-                <a:latin typeface="Microsoft YaHei"/>
+                <a:latin typeface="Source Han Sans CN"/>
               </a:rPr>
               <a:t>重点事件发现、应急与处置过程</a:t>
             </a:r>
@@ -3204,7 +3204,7 @@
         </p:nvSpPr>
         <p:spPr>
           <a:xfrm>
-            <a:off x="762000" y="2419350"/>
+            <a:off x="762000" y="1847850"/>
             <a:ext cx="762000" cy="38100"/>
           </a:xfrm>
           <a:prstGeom prst="rect">
@@ -3247,7 +3247,7 @@
         </p:nvSpPr>
         <p:spPr>
           <a:xfrm>
-            <a:off x="762000" y="2457450"/>
+            <a:off x="762000" y="2038350"/>
             <a:ext cx="5457825" cy="2095500"/>
           </a:xfrm>
           <a:prstGeom prst="roundRect">
@@ -3291,7 +3291,7 @@
         </p:nvSpPr>
         <p:spPr>
           <a:xfrm>
-            <a:off x="3248025" y="2647950"/>
+            <a:off x="3248025" y="2228850"/>
             <a:ext cx="476250" cy="381000"/>
           </a:xfrm>
           <a:prstGeom prst="rect">
@@ -3325,7 +3325,7 @@
         </p:nvSpPr>
         <p:spPr>
           <a:xfrm>
-            <a:off x="857250" y="3076575"/>
+            <a:off x="857250" y="2657475"/>
             <a:ext cx="5267325" cy="285750"/>
           </a:xfrm>
           <a:prstGeom prst="rect">
@@ -3345,7 +3345,7 @@
                 <a:solidFill>
                   <a:srgbClr val="0A4275"/>
                 </a:solidFill>
-                <a:latin typeface="Microsoft YaHei"/>
+                <a:latin typeface="DengXian"/>
               </a:rPr>
               <a:t>处置安全事件</a:t>
             </a:r>
@@ -3360,7 +3360,7 @@
         </p:nvSpPr>
         <p:spPr>
           <a:xfrm>
-            <a:off x="857250" y="3362325"/>
+            <a:off x="857250" y="2943225"/>
             <a:ext cx="5267325" cy="476250"/>
           </a:xfrm>
           <a:prstGeom prst="rect">
@@ -3380,7 +3380,7 @@
                 <a:solidFill>
                   <a:srgbClr val="0A4275"/>
                 </a:solidFill>
-                <a:latin typeface="Microsoft YaHei"/>
+                <a:latin typeface="DengXian"/>
               </a:rPr>
               <a:t>36起</a:t>
             </a:r>
@@ -3395,7 +3395,7 @@
         </p:nvSpPr>
         <p:spPr>
           <a:xfrm>
-            <a:off x="857250" y="3838575"/>
+            <a:off x="857250" y="3419475"/>
             <a:ext cx="5267325" cy="285750"/>
           </a:xfrm>
           <a:prstGeom prst="rect">
@@ -3412,7 +3412,7 @@
             <a:pPr algn="ctr"/>
             <a:r>
               <a:rPr sz="1800">
-                <a:latin typeface="Microsoft YaHei"/>
+                <a:latin typeface="DengXian"/>
               </a:rPr>
               <a:t>平均响应时间4.2小时</a:t>
             </a:r>
@@ -3427,7 +3427,7 @@
         </p:nvSpPr>
         <p:spPr>
           <a:xfrm>
-            <a:off x="6410325" y="2457450"/>
+            <a:off x="6410325" y="2038350"/>
             <a:ext cx="5457825" cy="2095500"/>
           </a:xfrm>
           <a:prstGeom prst="roundRect">
@@ -3471,7 +3471,7 @@
         </p:nvSpPr>
         <p:spPr>
           <a:xfrm>
-            <a:off x="8896350" y="2647950"/>
+            <a:off x="8896350" y="2228850"/>
             <a:ext cx="476250" cy="381000"/>
           </a:xfrm>
           <a:prstGeom prst="rect">
@@ -3505,7 +3505,7 @@
         </p:nvSpPr>
         <p:spPr>
           <a:xfrm>
-            <a:off x="6505575" y="3076575"/>
+            <a:off x="6505575" y="2657475"/>
             <a:ext cx="5267325" cy="285750"/>
           </a:xfrm>
           <a:prstGeom prst="rect">
@@ -3525,7 +3525,7 @@
                 <a:solidFill>
                   <a:srgbClr val="0A4275"/>
                 </a:solidFill>
-                <a:latin typeface="Microsoft YaHei"/>
+                <a:latin typeface="DengXian"/>
               </a:rPr>
               <a:t>紧急响应流程启动</a:t>
             </a:r>
@@ -3540,7 +3540,7 @@
         </p:nvSpPr>
         <p:spPr>
           <a:xfrm>
-            <a:off x="6505575" y="3362325"/>
+            <a:off x="6505575" y="2943225"/>
             <a:ext cx="5267325" cy="476250"/>
           </a:xfrm>
           <a:prstGeom prst="rect">
@@ -3560,7 +3560,7 @@
                 <a:solidFill>
                   <a:srgbClr val="0A4275"/>
                 </a:solidFill>
-                <a:latin typeface="Microsoft YaHei"/>
+                <a:latin typeface="DengXian"/>
               </a:rPr>
               <a:t>7次</a:t>
             </a:r>
@@ -3575,7 +3575,7 @@
         </p:nvSpPr>
         <p:spPr>
           <a:xfrm>
-            <a:off x="6505575" y="3838575"/>
+            <a:off x="6505575" y="3419475"/>
             <a:ext cx="5267325" cy="285750"/>
           </a:xfrm>
           <a:prstGeom prst="rect">
@@ -3592,7 +3592,7 @@
             <a:pPr algn="ctr"/>
             <a:r>
               <a:rPr sz="1800">
-                <a:latin typeface="Microsoft YaHei"/>
+                <a:latin typeface="DengXian"/>
               </a:rPr>
               <a:t>较上季度减少2次</a:t>
             </a:r>
@@ -3607,7 +3607,7 @@
         </p:nvSpPr>
         <p:spPr>
           <a:xfrm>
-            <a:off x="12058650" y="2457450"/>
+            <a:off x="12058650" y="2038350"/>
             <a:ext cx="5457825" cy="2095500"/>
           </a:xfrm>
           <a:prstGeom prst="roundRect">
@@ -3651,7 +3651,7 @@
         </p:nvSpPr>
         <p:spPr>
           <a:xfrm>
-            <a:off x="14544675" y="2647950"/>
+            <a:off x="14544675" y="2228850"/>
             <a:ext cx="476250" cy="381000"/>
           </a:xfrm>
           <a:prstGeom prst="rect">
@@ -3685,7 +3685,7 @@
         </p:nvSpPr>
         <p:spPr>
           <a:xfrm>
-            <a:off x="12153900" y="3076575"/>
+            <a:off x="12153900" y="2657475"/>
             <a:ext cx="5267325" cy="285750"/>
           </a:xfrm>
           <a:prstGeom prst="rect">
@@ -3705,7 +3705,7 @@
                 <a:solidFill>
                   <a:srgbClr val="0A4275"/>
                 </a:solidFill>
-                <a:latin typeface="Microsoft YaHei"/>
+                <a:latin typeface="DengXian"/>
               </a:rPr>
               <a:t>事件闭环率</a:t>
             </a:r>
@@ -3720,7 +3720,7 @@
         </p:nvSpPr>
         <p:spPr>
           <a:xfrm>
-            <a:off x="12153900" y="3362325"/>
+            <a:off x="12153900" y="2943225"/>
             <a:ext cx="5267325" cy="476250"/>
           </a:xfrm>
           <a:prstGeom prst="rect">
@@ -3740,7 +3740,7 @@
                 <a:solidFill>
                   <a:srgbClr val="0A4275"/>
                 </a:solidFill>
-                <a:latin typeface="Microsoft YaHei"/>
+                <a:latin typeface="DengXian"/>
               </a:rPr>
               <a:t>92.3%</a:t>
             </a:r>
@@ -3755,7 +3755,7 @@
         </p:nvSpPr>
         <p:spPr>
           <a:xfrm>
-            <a:off x="12153900" y="3838575"/>
+            <a:off x="12153900" y="3419475"/>
             <a:ext cx="5267325" cy="285750"/>
           </a:xfrm>
           <a:prstGeom prst="rect">
@@ -3772,7 +3772,7 @@
             <a:pPr algn="ctr"/>
             <a:r>
               <a:rPr sz="1800">
-                <a:latin typeface="Microsoft YaHei"/>
+                <a:latin typeface="DengXian"/>
               </a:rPr>
               <a:t>较上季度提升5.6%</a:t>
             </a:r>
@@ -3787,7 +3787,7 @@
         </p:nvSpPr>
         <p:spPr>
           <a:xfrm>
-            <a:off x="762000" y="5410200"/>
+            <a:off x="762000" y="4514850"/>
             <a:ext cx="16764000" cy="3048000"/>
           </a:xfrm>
           <a:prstGeom prst="roundRect">
@@ -3831,7 +3831,7 @@
         </p:nvSpPr>
         <p:spPr>
           <a:xfrm>
-            <a:off x="904875" y="5553075"/>
+            <a:off x="904875" y="4657725"/>
             <a:ext cx="16478250" cy="285750"/>
           </a:xfrm>
           <a:prstGeom prst="rect">
@@ -3850,7 +3850,7 @@
                 <a:solidFill>
                   <a:srgbClr val="0A4275"/>
                 </a:solidFill>
-                <a:latin typeface="Microsoft YaHei"/>
+                <a:latin typeface="DengXian"/>
               </a:rPr>
               <a:t>案例一：大型勒索软件攻击防护与处置</a:t>
             </a:r>
@@ -3865,7 +3865,7 @@
         </p:nvSpPr>
         <p:spPr>
           <a:xfrm>
-            <a:off x="904875" y="5886450"/>
+            <a:off x="904875" y="4991100"/>
             <a:ext cx="238125" cy="238125"/>
           </a:xfrm>
           <a:prstGeom prst="ellipse">
@@ -3902,7 +3902,7 @@
                 <a:solidFill>
                   <a:srgbClr val="FFFFFF"/>
                 </a:solidFill>
-                <a:latin typeface="Microsoft YaHei"/>
+                <a:latin typeface="DengXian"/>
               </a:rPr>
               <a:t>1</a:t>
             </a:r>
@@ -3917,7 +3917,7 @@
         </p:nvSpPr>
         <p:spPr>
           <a:xfrm>
-            <a:off x="1019175" y="6124575"/>
+            <a:off x="1019175" y="5229225"/>
             <a:ext cx="19050" cy="571500"/>
           </a:xfrm>
           <a:prstGeom prst="rect">
@@ -3960,7 +3960,7 @@
         </p:nvSpPr>
         <p:spPr>
           <a:xfrm>
-            <a:off x="1285875" y="5886450"/>
+            <a:off x="1285875" y="4991100"/>
             <a:ext cx="16097250" cy="238125"/>
           </a:xfrm>
           <a:prstGeom prst="rect">
@@ -3979,7 +3979,7 @@
                 <a:solidFill>
                   <a:srgbClr val="0A4275"/>
                 </a:solidFill>
-                <a:latin typeface="Microsoft YaHei"/>
+                <a:latin typeface="DengXian"/>
               </a:rPr>
               <a:t>发现阶段</a:t>
             </a:r>
@@ -3994,7 +3994,7 @@
         </p:nvSpPr>
         <p:spPr>
           <a:xfrm>
-            <a:off x="1285875" y="6153150"/>
+            <a:off x="1285875" y="5257800"/>
             <a:ext cx="16097250" cy="476250"/>
           </a:xfrm>
           <a:prstGeom prst="rect">
@@ -4013,7 +4013,7 @@
                 <a:solidFill>
                   <a:srgbClr val="333333"/>
                 </a:solidFill>
-                <a:latin typeface="Microsoft YaHei"/>
+                <a:latin typeface="DengXian"/>
               </a:rPr>
               <a:t>态势感知系统于3月18日08:35检测到异常加密行为，涉及文件服务器（192.168.45.78）；检测到可疑PowerShell脚本执行</a:t>
             </a:r>
@@ -4028,7 +4028,7 @@
         </p:nvSpPr>
         <p:spPr>
           <a:xfrm>
-            <a:off x="904875" y="6696075"/>
+            <a:off x="904875" y="5800725"/>
             <a:ext cx="238125" cy="238125"/>
           </a:xfrm>
           <a:prstGeom prst="ellipse">
@@ -4065,7 +4065,7 @@
                 <a:solidFill>
                   <a:srgbClr val="FFFFFF"/>
                 </a:solidFill>
-                <a:latin typeface="Microsoft YaHei"/>
+                <a:latin typeface="DengXian"/>
               </a:rPr>
               <a:t>2</a:t>
             </a:r>
@@ -4080,7 +4080,7 @@
         </p:nvSpPr>
         <p:spPr>
           <a:xfrm>
-            <a:off x="1019175" y="6934200"/>
+            <a:off x="1019175" y="6038850"/>
             <a:ext cx="19050" cy="571500"/>
           </a:xfrm>
           <a:prstGeom prst="rect">
@@ -4123,7 +4123,7 @@
         </p:nvSpPr>
         <p:spPr>
           <a:xfrm>
-            <a:off x="1285875" y="6696075"/>
+            <a:off x="1285875" y="5800725"/>
             <a:ext cx="16097250" cy="238125"/>
           </a:xfrm>
           <a:prstGeom prst="rect">
@@ -4142,7 +4142,7 @@
                 <a:solidFill>
                   <a:srgbClr val="0A4275"/>
                 </a:solidFill>
-                <a:latin typeface="Microsoft YaHei"/>
+                <a:latin typeface="DengXian"/>
               </a:rPr>
               <a:t>应急响应</a:t>
             </a:r>
@@ -4157,7 +4157,7 @@
         </p:nvSpPr>
         <p:spPr>
           <a:xfrm>
-            <a:off x="1285875" y="6962775"/>
+            <a:off x="1285875" y="6067425"/>
             <a:ext cx="16097250" cy="476250"/>
           </a:xfrm>
           <a:prstGeom prst="rect">
@@ -4176,7 +4176,7 @@
                 <a:solidFill>
                   <a:srgbClr val="333333"/>
                 </a:solidFill>
-                <a:latin typeface="Microsoft YaHei"/>
+                <a:latin typeface="DengXian"/>
               </a:rPr>
               <a:t>10分钟内隔离受影响服务器，阻断外联通信；启动紧急响应小组；分析发现攻击利用Log4j漏洞（CVE-2021-44228）</a:t>
             </a:r>
@@ -4191,7 +4191,7 @@
         </p:nvSpPr>
         <p:spPr>
           <a:xfrm>
-            <a:off x="904875" y="7505700"/>
+            <a:off x="904875" y="6610350"/>
             <a:ext cx="238125" cy="238125"/>
           </a:xfrm>
           <a:prstGeom prst="ellipse">
@@ -4228,7 +4228,7 @@
                 <a:solidFill>
                   <a:srgbClr val="FFFFFF"/>
                 </a:solidFill>
-                <a:latin typeface="Microsoft YaHei"/>
+                <a:latin typeface="DengXian"/>
               </a:rPr>
               <a:t>3</a:t>
             </a:r>
@@ -4243,7 +4243,7 @@
         </p:nvSpPr>
         <p:spPr>
           <a:xfrm>
-            <a:off x="1019175" y="7743825"/>
+            <a:off x="1019175" y="6848475"/>
             <a:ext cx="19050" cy="571500"/>
           </a:xfrm>
           <a:prstGeom prst="rect">
@@ -4286,7 +4286,7 @@
         </p:nvSpPr>
         <p:spPr>
           <a:xfrm>
-            <a:off x="1285875" y="7505700"/>
+            <a:off x="1285875" y="6610350"/>
             <a:ext cx="16097250" cy="238125"/>
           </a:xfrm>
           <a:prstGeom prst="rect">
@@ -4305,7 +4305,7 @@
                 <a:solidFill>
                   <a:srgbClr val="0A4275"/>
                 </a:solidFill>
-                <a:latin typeface="Microsoft YaHei"/>
+                <a:latin typeface="DengXian"/>
               </a:rPr>
               <a:t>处置与恢复</a:t>
             </a:r>
@@ -4320,7 +4320,7 @@
         </p:nvSpPr>
         <p:spPr>
           <a:xfrm>
-            <a:off x="1285875" y="7772400"/>
+            <a:off x="1285875" y="6877050"/>
             <a:ext cx="16097250" cy="476250"/>
           </a:xfrm>
           <a:prstGeom prst="rect">
@@ -4339,7 +4339,7 @@
                 <a:solidFill>
                   <a:srgbClr val="333333"/>
                 </a:solidFill>
-                <a:latin typeface="Microsoft YaHei"/>
+                <a:latin typeface="DengXian"/>
               </a:rPr>
               <a:t>从备份恢复关键数据；修复安全漏洞；阻断攻击源IP（45.92.156.23）；全网部署检测特征；工作恢复时间：3小时42分钟</a:t>
             </a:r>
@@ -4348,14 +4348,172 @@
       </p:sp>
       <p:sp>
         <p:nvSpPr>
-          <p:cNvPr id="35" name="Rectangle 34"/>
+          <p:cNvPr id="35" name="TextBox 34"/>
+          <p:cNvSpPr txBox="1"/>
+          <p:nvPr/>
+        </p:nvSpPr>
+        <p:spPr>
+          <a:xfrm>
+            <a:off x="952500" y="8229600"/>
+            <a:ext cx="16383000" cy="285750"/>
+          </a:xfrm>
+          <a:prstGeom prst="rect">
+            <a:avLst/>
+          </a:prstGeom>
+          <a:noFill/>
+        </p:spPr>
+        <p:txBody>
+          <a:bodyPr wrap="none">
+            <a:spAutoFit/>
+          </a:bodyPr>
+          <a:lstStyle/>
+          <a:p>
+            <a:r>
+              <a:rPr sz="2000">
+                <a:solidFill>
+                  <a:srgbClr val="0A4275"/>
+                </a:solidFill>
+                <a:latin typeface="DengXian"/>
+              </a:rPr>
+              <a:t>其他典型安全事件处置案例</a:t>
+            </a:r>
+          </a:p>
+        </p:txBody>
+      </p:sp>
+      <p:sp>
+        <p:nvSpPr>
+          <p:cNvPr id="36" name="TextBox 35"/>
+          <p:cNvSpPr txBox="1"/>
+          <p:nvPr/>
+        </p:nvSpPr>
+        <p:spPr>
+          <a:xfrm>
+            <a:off x="952500" y="8610600"/>
+            <a:ext cx="16383000" cy="476250"/>
+          </a:xfrm>
+          <a:prstGeom prst="rect">
+            <a:avLst/>
+          </a:prstGeom>
+          <a:noFill/>
+        </p:spPr>
+        <p:txBody>
+          <a:bodyPr wrap="square">
+            <a:spAutoFit/>
+          </a:bodyPr>
+          <a:lstStyle/>
+          <a:p>
+            <a:r>
+              <a:rPr b="1" sz="1800">
+                <a:latin typeface="DengXian"/>
+              </a:rPr>
+              <a:t>• API未授权访问事件（2月12日）</a:t>
+            </a:r>
+          </a:p>
+        </p:txBody>
+      </p:sp>
+      <p:sp>
+        <p:nvSpPr>
+          <p:cNvPr id="37" name="TextBox 36"/>
+          <p:cNvSpPr txBox="1"/>
+          <p:nvPr/>
+        </p:nvSpPr>
+        <p:spPr>
+          <a:xfrm>
+            <a:off x="952500" y="8877300"/>
+            <a:ext cx="16383000" cy="476250"/>
+          </a:xfrm>
+          <a:prstGeom prst="rect">
+            <a:avLst/>
+          </a:prstGeom>
+          <a:noFill/>
+        </p:spPr>
+        <p:txBody>
+          <a:bodyPr wrap="square">
+            <a:spAutoFit/>
+          </a:bodyPr>
+          <a:lstStyle/>
+          <a:p>
+            <a:r>
+              <a:rPr sz="1600">
+                <a:latin typeface="DengXian"/>
+              </a:rPr>
+              <a:t>  WAF检测到异常API调用频率（高达800次/分钟），针对CRM系统；发现开发环境API密钥泄露至GitHub公共仓库；30分钟内完成密钥轮换，更新API鉴权机制，无数据泄露</a:t>
+            </a:r>
+          </a:p>
+        </p:txBody>
+      </p:sp>
+      <p:sp>
+        <p:nvSpPr>
+          <p:cNvPr id="38" name="TextBox 37"/>
+          <p:cNvSpPr txBox="1"/>
+          <p:nvPr/>
+        </p:nvSpPr>
+        <p:spPr>
+          <a:xfrm>
+            <a:off x="952500" y="9353550"/>
+            <a:ext cx="16383000" cy="476250"/>
+          </a:xfrm>
+          <a:prstGeom prst="rect">
+            <a:avLst/>
+          </a:prstGeom>
+          <a:noFill/>
+        </p:spPr>
+        <p:txBody>
+          <a:bodyPr wrap="square">
+            <a:spAutoFit/>
+          </a:bodyPr>
+          <a:lstStyle/>
+          <a:p>
+            <a:r>
+              <a:rPr b="1" sz="1800">
+                <a:latin typeface="DengXian"/>
+              </a:rPr>
+              <a:t>• 网站SQL注入攻击（1月25日）</a:t>
+            </a:r>
+          </a:p>
+        </p:txBody>
+      </p:sp>
+      <p:sp>
+        <p:nvSpPr>
+          <p:cNvPr id="39" name="TextBox 38"/>
+          <p:cNvSpPr txBox="1"/>
+          <p:nvPr/>
+        </p:nvSpPr>
+        <p:spPr>
+          <a:xfrm>
+            <a:off x="952500" y="9620250"/>
+            <a:ext cx="16383000" cy="476250"/>
+          </a:xfrm>
+          <a:prstGeom prst="rect">
+            <a:avLst/>
+          </a:prstGeom>
+          <a:noFill/>
+        </p:spPr>
+        <p:txBody>
+          <a:bodyPr wrap="square">
+            <a:spAutoFit/>
+          </a:bodyPr>
+          <a:lstStyle/>
+          <a:p>
+            <a:r>
+              <a:rPr sz="1600">
+                <a:latin typeface="DengXian"/>
+              </a:rPr>
+              <a:t>  检测到针对订单系统的SQL注入尝试，共计367次；攻击者（IP: 103.79.34.15）利用表单字段进行注入；已部署WAF规则拦截，同时修复代码漏洞并进行全面代码审计，避免同类问题</a:t>
+            </a:r>
+          </a:p>
+        </p:txBody>
+      </p:sp>
+      <p:sp>
+        <p:nvSpPr>
+          <p:cNvPr id="40" name="Rectangle 39"/>
           <p:cNvSpPr/>
           <p:nvPr/>
         </p:nvSpPr>
         <p:spPr>
           <a:xfrm>
-            <a:off x="762000" y="9029700"/>
-            <a:ext cx="38100" cy="2667000"/>
+            <a:off x="762000" y="8134350"/>
+            <a:ext cx="38100" cy="2152650"/>
           </a:xfrm>
           <a:prstGeom prst="rect">
             <a:avLst/>
@@ -4391,14 +4549,14 @@
       </p:sp>
       <p:sp>
         <p:nvSpPr>
-          <p:cNvPr id="36" name="TextBox 35"/>
+          <p:cNvPr id="41" name="TextBox 40"/>
           <p:cNvSpPr txBox="1"/>
           <p:nvPr/>
         </p:nvSpPr>
         <p:spPr>
           <a:xfrm>
-            <a:off x="952500" y="9124950"/>
-            <a:ext cx="16383000" cy="285750"/>
+            <a:off x="17335500" y="9810750"/>
+            <a:ext cx="476250" cy="285750"/>
           </a:xfrm>
           <a:prstGeom prst="rect">
             <a:avLst/>
@@ -4412,169 +4570,11 @@
           <a:lstStyle/>
           <a:p>
             <a:r>
-              <a:rPr sz="2000">
-                <a:solidFill>
-                  <a:srgbClr val="0A4275"/>
-                </a:solidFill>
-                <a:latin typeface="Microsoft YaHei"/>
-              </a:rPr>
-              <a:t>其他典型安全事件处置案例</a:t>
-            </a:r>
-          </a:p>
-        </p:txBody>
-      </p:sp>
-      <p:sp>
-        <p:nvSpPr>
-          <p:cNvPr id="37" name="TextBox 36"/>
-          <p:cNvSpPr txBox="1"/>
-          <p:nvPr/>
-        </p:nvSpPr>
-        <p:spPr>
-          <a:xfrm>
-            <a:off x="952500" y="9505950"/>
-            <a:ext cx="16383000" cy="476250"/>
-          </a:xfrm>
-          <a:prstGeom prst="rect">
-            <a:avLst/>
-          </a:prstGeom>
-          <a:noFill/>
-        </p:spPr>
-        <p:txBody>
-          <a:bodyPr wrap="square">
-            <a:spAutoFit/>
-          </a:bodyPr>
-          <a:lstStyle/>
-          <a:p>
-            <a:r>
-              <a:rPr b="1" sz="1800">
-                <a:latin typeface="Microsoft YaHei"/>
-              </a:rPr>
-              <a:t>• API未授权访问事件（2月12日）</a:t>
-            </a:r>
-          </a:p>
-        </p:txBody>
-      </p:sp>
-      <p:sp>
-        <p:nvSpPr>
-          <p:cNvPr id="38" name="TextBox 37"/>
-          <p:cNvSpPr txBox="1"/>
-          <p:nvPr/>
-        </p:nvSpPr>
-        <p:spPr>
-          <a:xfrm>
-            <a:off x="952500" y="9772650"/>
-            <a:ext cx="16383000" cy="476250"/>
-          </a:xfrm>
-          <a:prstGeom prst="rect">
-            <a:avLst/>
-          </a:prstGeom>
-          <a:noFill/>
-        </p:spPr>
-        <p:txBody>
-          <a:bodyPr wrap="square">
-            <a:spAutoFit/>
-          </a:bodyPr>
-          <a:lstStyle/>
-          <a:p>
-            <a:r>
-              <a:rPr sz="1600">
-                <a:latin typeface="Microsoft YaHei"/>
-              </a:rPr>
-              <a:t>  WAF检测到异常API调用频率（高达800次/分钟），针对CRM系统；发现开发环境API密钥泄露至GitHub公共仓库；30分钟内完成密钥轮换，更新API鉴权机制，无数据泄露</a:t>
-            </a:r>
-          </a:p>
-        </p:txBody>
-      </p:sp>
-      <p:sp>
-        <p:nvSpPr>
-          <p:cNvPr id="39" name="TextBox 38"/>
-          <p:cNvSpPr txBox="1"/>
-          <p:nvPr/>
-        </p:nvSpPr>
-        <p:spPr>
-          <a:xfrm>
-            <a:off x="952500" y="10248900"/>
-            <a:ext cx="16383000" cy="476250"/>
-          </a:xfrm>
-          <a:prstGeom prst="rect">
-            <a:avLst/>
-          </a:prstGeom>
-          <a:noFill/>
-        </p:spPr>
-        <p:txBody>
-          <a:bodyPr wrap="square">
-            <a:spAutoFit/>
-          </a:bodyPr>
-          <a:lstStyle/>
-          <a:p>
-            <a:r>
-              <a:rPr b="1" sz="1800">
-                <a:latin typeface="Microsoft YaHei"/>
-              </a:rPr>
-              <a:t>• 网站SQL注入攻击（1月25日）</a:t>
-            </a:r>
-          </a:p>
-        </p:txBody>
-      </p:sp>
-      <p:sp>
-        <p:nvSpPr>
-          <p:cNvPr id="40" name="TextBox 39"/>
-          <p:cNvSpPr txBox="1"/>
-          <p:nvPr/>
-        </p:nvSpPr>
-        <p:spPr>
-          <a:xfrm>
-            <a:off x="952500" y="10515600"/>
-            <a:ext cx="16383000" cy="476250"/>
-          </a:xfrm>
-          <a:prstGeom prst="rect">
-            <a:avLst/>
-          </a:prstGeom>
-          <a:noFill/>
-        </p:spPr>
-        <p:txBody>
-          <a:bodyPr wrap="square">
-            <a:spAutoFit/>
-          </a:bodyPr>
-          <a:lstStyle/>
-          <a:p>
-            <a:r>
-              <a:rPr sz="1600">
-                <a:latin typeface="Microsoft YaHei"/>
-              </a:rPr>
-              <a:t>  检测到针对订单系统的SQL注入尝试，共计367次；攻击者（IP: 103.79.34.15）利用表单字段进行注入；已部署WAF规则拦截，同时修复代码漏洞并进行全面代码审计，避免同类问题</a:t>
-            </a:r>
-          </a:p>
-        </p:txBody>
-      </p:sp>
-      <p:sp>
-        <p:nvSpPr>
-          <p:cNvPr id="41" name="TextBox 40"/>
-          <p:cNvSpPr txBox="1"/>
-          <p:nvPr/>
-        </p:nvSpPr>
-        <p:spPr>
-          <a:xfrm>
-            <a:off x="17335500" y="9810750"/>
-            <a:ext cx="476250" cy="285750"/>
-          </a:xfrm>
-          <a:prstGeom prst="rect">
-            <a:avLst/>
-          </a:prstGeom>
-          <a:noFill/>
-        </p:spPr>
-        <p:txBody>
-          <a:bodyPr wrap="none">
-            <a:spAutoFit/>
-          </a:bodyPr>
-          <a:lstStyle/>
-          <a:p>
-            <a:r>
               <a:rPr sz="1400">
                 <a:solidFill>
                   <a:srgbClr val="666666"/>
                 </a:solidFill>
-                <a:latin typeface="Microsoft YaHei"/>
+                <a:latin typeface="DengXian"/>
               </a:rPr>
               <a:t>6</a:t>
             </a:r>

--- a/output/slide02.pptx
+++ b/output/slide02.pptx
@@ -3154,7 +3154,7 @@
           <a:lstStyle/>
           <a:p>
             <a:r>
-              <a:rPr sz="4800" b="1">
+              <a:rPr sz="3600" b="1">
                 <a:latin typeface="Source Han Sans CN Bold"/>
               </a:rPr>
               <a:t>典型安全事件案例及处置</a:t>
@@ -3185,7 +3185,7 @@
           <a:lstStyle/>
           <a:p>
             <a:r>
-              <a:rPr sz="3600" b="1">
+              <a:rPr sz="2700" b="1">
                 <a:solidFill>
                   <a:srgbClr val="0A4275"/>
                 </a:solidFill>
@@ -3291,7 +3291,7 @@
         </p:nvSpPr>
         <p:spPr>
           <a:xfrm>
-            <a:off x="3248025" y="2228850"/>
+            <a:off x="3248025" y="2276475"/>
             <a:ext cx="476250" cy="381000"/>
           </a:xfrm>
           <a:prstGeom prst="rect">
@@ -3311,8 +3311,9 @@
                 <a:solidFill>
                   <a:srgbClr val="0A4275"/>
                 </a:solidFill>
+                <a:latin typeface="DengXian"/>
               </a:rPr>
-              <a:t>🛡</a:t>
+              <a:t>🦠</a:t>
             </a:r>
           </a:p>
         </p:txBody>
@@ -3325,8 +3326,8 @@
         </p:nvSpPr>
         <p:spPr>
           <a:xfrm>
-            <a:off x="857250" y="2657475"/>
-            <a:ext cx="5267325" cy="285750"/>
+            <a:off x="904875" y="2752725"/>
+            <a:ext cx="5172075" cy="238125"/>
           </a:xfrm>
           <a:prstGeom prst="rect">
             <a:avLst/>
@@ -3341,7 +3342,7 @@
           <a:p>
             <a:pPr algn="ctr"/>
             <a:r>
-              <a:rPr sz="1800">
+              <a:rPr sz="1400">
                 <a:solidFill>
                   <a:srgbClr val="0A4275"/>
                 </a:solidFill>
@@ -3360,8 +3361,8 @@
         </p:nvSpPr>
         <p:spPr>
           <a:xfrm>
-            <a:off x="857250" y="2943225"/>
-            <a:ext cx="5267325" cy="476250"/>
+            <a:off x="904875" y="3038475"/>
+            <a:ext cx="5172075" cy="381000"/>
           </a:xfrm>
           <a:prstGeom prst="rect">
             <a:avLst/>
@@ -3376,7 +3377,7 @@
           <a:p>
             <a:pPr algn="ctr"/>
             <a:r>
-              <a:rPr sz="3600" b="1">
+              <a:rPr sz="2700" b="1">
                 <a:solidFill>
                   <a:srgbClr val="0A4275"/>
                 </a:solidFill>
@@ -3395,8 +3396,8 @@
         </p:nvSpPr>
         <p:spPr>
           <a:xfrm>
-            <a:off x="857250" y="3419475"/>
-            <a:ext cx="5267325" cy="285750"/>
+            <a:off x="904875" y="3467100"/>
+            <a:ext cx="5172075" cy="209550"/>
           </a:xfrm>
           <a:prstGeom prst="rect">
             <a:avLst/>
@@ -3404,14 +3405,14 @@
           <a:noFill/>
         </p:spPr>
         <p:txBody>
-          <a:bodyPr wrap="square">
+          <a:bodyPr wrap="square" anchor="t">
             <a:spAutoFit/>
           </a:bodyPr>
           <a:lstStyle/>
           <a:p>
             <a:pPr algn="ctr"/>
             <a:r>
-              <a:rPr sz="1800">
+              <a:rPr sz="1500">
                 <a:latin typeface="DengXian"/>
               </a:rPr>
               <a:t>平均响应时间4.2小时</a:t>
@@ -3471,7 +3472,7 @@
         </p:nvSpPr>
         <p:spPr>
           <a:xfrm>
-            <a:off x="8896350" y="2228850"/>
+            <a:off x="8896350" y="2276475"/>
             <a:ext cx="476250" cy="381000"/>
           </a:xfrm>
           <a:prstGeom prst="rect">
@@ -3491,6 +3492,7 @@
                 <a:solidFill>
                   <a:srgbClr val="0A4275"/>
                 </a:solidFill>
+                <a:latin typeface="DengXian"/>
               </a:rPr>
               <a:t>⚡</a:t>
             </a:r>
@@ -3505,8 +3507,8 @@
         </p:nvSpPr>
         <p:spPr>
           <a:xfrm>
-            <a:off x="6505575" y="2657475"/>
-            <a:ext cx="5267325" cy="285750"/>
+            <a:off x="6553200" y="2752725"/>
+            <a:ext cx="5172075" cy="238125"/>
           </a:xfrm>
           <a:prstGeom prst="rect">
             <a:avLst/>
@@ -3521,7 +3523,7 @@
           <a:p>
             <a:pPr algn="ctr"/>
             <a:r>
-              <a:rPr sz="1800">
+              <a:rPr sz="1400">
                 <a:solidFill>
                   <a:srgbClr val="0A4275"/>
                 </a:solidFill>
@@ -3540,8 +3542,8 @@
         </p:nvSpPr>
         <p:spPr>
           <a:xfrm>
-            <a:off x="6505575" y="2943225"/>
-            <a:ext cx="5267325" cy="476250"/>
+            <a:off x="6553200" y="3038475"/>
+            <a:ext cx="5172075" cy="381000"/>
           </a:xfrm>
           <a:prstGeom prst="rect">
             <a:avLst/>
@@ -3556,7 +3558,7 @@
           <a:p>
             <a:pPr algn="ctr"/>
             <a:r>
-              <a:rPr sz="3600" b="1">
+              <a:rPr sz="2700" b="1">
                 <a:solidFill>
                   <a:srgbClr val="0A4275"/>
                 </a:solidFill>
@@ -3575,8 +3577,8 @@
         </p:nvSpPr>
         <p:spPr>
           <a:xfrm>
-            <a:off x="6505575" y="3419475"/>
-            <a:ext cx="5267325" cy="285750"/>
+            <a:off x="6553200" y="3467100"/>
+            <a:ext cx="5172075" cy="209550"/>
           </a:xfrm>
           <a:prstGeom prst="rect">
             <a:avLst/>
@@ -3584,14 +3586,14 @@
           <a:noFill/>
         </p:spPr>
         <p:txBody>
-          <a:bodyPr wrap="square">
+          <a:bodyPr wrap="square" anchor="t">
             <a:spAutoFit/>
           </a:bodyPr>
           <a:lstStyle/>
           <a:p>
             <a:pPr algn="ctr"/>
             <a:r>
-              <a:rPr sz="1800">
+              <a:rPr sz="1500">
                 <a:latin typeface="DengXian"/>
               </a:rPr>
               <a:t>较上季度减少2次</a:t>
@@ -3651,7 +3653,7 @@
         </p:nvSpPr>
         <p:spPr>
           <a:xfrm>
-            <a:off x="14544675" y="2228850"/>
+            <a:off x="14544675" y="2276475"/>
             <a:ext cx="476250" cy="381000"/>
           </a:xfrm>
           <a:prstGeom prst="rect">
@@ -3671,6 +3673,7 @@
                 <a:solidFill>
                   <a:srgbClr val="0A4275"/>
                 </a:solidFill>
+                <a:latin typeface="DengXian"/>
               </a:rPr>
               <a:t>☑</a:t>
             </a:r>
@@ -3685,8 +3688,8 @@
         </p:nvSpPr>
         <p:spPr>
           <a:xfrm>
-            <a:off x="12153900" y="2657475"/>
-            <a:ext cx="5267325" cy="285750"/>
+            <a:off x="12201525" y="2752725"/>
+            <a:ext cx="5172075" cy="238125"/>
           </a:xfrm>
           <a:prstGeom prst="rect">
             <a:avLst/>
@@ -3701,7 +3704,7 @@
           <a:p>
             <a:pPr algn="ctr"/>
             <a:r>
-              <a:rPr sz="1800">
+              <a:rPr sz="1400">
                 <a:solidFill>
                   <a:srgbClr val="0A4275"/>
                 </a:solidFill>
@@ -3720,8 +3723,8 @@
         </p:nvSpPr>
         <p:spPr>
           <a:xfrm>
-            <a:off x="12153900" y="2943225"/>
-            <a:ext cx="5267325" cy="476250"/>
+            <a:off x="12201525" y="3038475"/>
+            <a:ext cx="5172075" cy="381000"/>
           </a:xfrm>
           <a:prstGeom prst="rect">
             <a:avLst/>
@@ -3736,7 +3739,7 @@
           <a:p>
             <a:pPr algn="ctr"/>
             <a:r>
-              <a:rPr sz="3600" b="1">
+              <a:rPr sz="2700" b="1">
                 <a:solidFill>
                   <a:srgbClr val="0A4275"/>
                 </a:solidFill>
@@ -3755,8 +3758,8 @@
         </p:nvSpPr>
         <p:spPr>
           <a:xfrm>
-            <a:off x="12153900" y="3419475"/>
-            <a:ext cx="5267325" cy="285750"/>
+            <a:off x="12201525" y="3467100"/>
+            <a:ext cx="5172075" cy="209550"/>
           </a:xfrm>
           <a:prstGeom prst="rect">
             <a:avLst/>
@@ -3764,14 +3767,14 @@
           <a:noFill/>
         </p:spPr>
         <p:txBody>
-          <a:bodyPr wrap="square">
+          <a:bodyPr wrap="square" anchor="t">
             <a:spAutoFit/>
           </a:bodyPr>
           <a:lstStyle/>
           <a:p>
             <a:pPr algn="ctr"/>
             <a:r>
-              <a:rPr sz="1800">
+              <a:rPr sz="1500">
                 <a:latin typeface="DengXian"/>
               </a:rPr>
               <a:t>较上季度提升5.6%</a:t>
@@ -3846,7 +3849,7 @@
           <a:lstStyle/>
           <a:p>
             <a:r>
-              <a:rPr sz="2000">
+              <a:rPr sz="1500">
                 <a:solidFill>
                   <a:srgbClr val="0A4275"/>
                 </a:solidFill>
@@ -3961,7 +3964,7 @@
         <p:spPr>
           <a:xfrm>
             <a:off x="1285875" y="4991100"/>
-            <a:ext cx="16097250" cy="238125"/>
+            <a:ext cx="16097250" cy="228600"/>
           </a:xfrm>
           <a:prstGeom prst="rect">
             <a:avLst/>
@@ -3975,7 +3978,7 @@
           <a:lstStyle/>
           <a:p>
             <a:r>
-              <a:rPr sz="1800" b="1">
+              <a:rPr sz="1400" b="1">
                 <a:solidFill>
                   <a:srgbClr val="0A4275"/>
                 </a:solidFill>
@@ -3994,8 +3997,8 @@
         </p:nvSpPr>
         <p:spPr>
           <a:xfrm>
-            <a:off x="1285875" y="5257800"/>
-            <a:ext cx="16097250" cy="476250"/>
+            <a:off x="1285875" y="5248275"/>
+            <a:ext cx="16097250" cy="285750"/>
           </a:xfrm>
           <a:prstGeom prst="rect">
             <a:avLst/>
@@ -4009,7 +4012,7 @@
           <a:lstStyle/>
           <a:p>
             <a:r>
-              <a:rPr sz="1600">
+              <a:rPr sz="1500">
                 <a:solidFill>
                   <a:srgbClr val="333333"/>
                 </a:solidFill>
@@ -4124,7 +4127,7 @@
         <p:spPr>
           <a:xfrm>
             <a:off x="1285875" y="5800725"/>
-            <a:ext cx="16097250" cy="238125"/>
+            <a:ext cx="16097250" cy="228600"/>
           </a:xfrm>
           <a:prstGeom prst="rect">
             <a:avLst/>
@@ -4138,7 +4141,7 @@
           <a:lstStyle/>
           <a:p>
             <a:r>
-              <a:rPr sz="1800" b="1">
+              <a:rPr sz="1400" b="1">
                 <a:solidFill>
                   <a:srgbClr val="0A4275"/>
                 </a:solidFill>
@@ -4157,8 +4160,8 @@
         </p:nvSpPr>
         <p:spPr>
           <a:xfrm>
-            <a:off x="1285875" y="6067425"/>
-            <a:ext cx="16097250" cy="476250"/>
+            <a:off x="1285875" y="6057900"/>
+            <a:ext cx="16097250" cy="285750"/>
           </a:xfrm>
           <a:prstGeom prst="rect">
             <a:avLst/>
@@ -4172,7 +4175,7 @@
           <a:lstStyle/>
           <a:p>
             <a:r>
-              <a:rPr sz="1600">
+              <a:rPr sz="1500">
                 <a:solidFill>
                   <a:srgbClr val="333333"/>
                 </a:solidFill>
@@ -4287,7 +4290,7 @@
         <p:spPr>
           <a:xfrm>
             <a:off x="1285875" y="6610350"/>
-            <a:ext cx="16097250" cy="238125"/>
+            <a:ext cx="16097250" cy="228600"/>
           </a:xfrm>
           <a:prstGeom prst="rect">
             <a:avLst/>
@@ -4301,7 +4304,7 @@
           <a:lstStyle/>
           <a:p>
             <a:r>
-              <a:rPr sz="1800" b="1">
+              <a:rPr sz="1400" b="1">
                 <a:solidFill>
                   <a:srgbClr val="0A4275"/>
                 </a:solidFill>
@@ -4320,8 +4323,8 @@
         </p:nvSpPr>
         <p:spPr>
           <a:xfrm>
-            <a:off x="1285875" y="6877050"/>
-            <a:ext cx="16097250" cy="476250"/>
+            <a:off x="1285875" y="6867525"/>
+            <a:ext cx="16097250" cy="285750"/>
           </a:xfrm>
           <a:prstGeom prst="rect">
             <a:avLst/>
@@ -4335,7 +4338,7 @@
           <a:lstStyle/>
           <a:p>
             <a:r>
-              <a:rPr sz="1600">
+              <a:rPr sz="1500">
                 <a:solidFill>
                   <a:srgbClr val="333333"/>
                 </a:solidFill>
@@ -4369,7 +4372,7 @@
           <a:lstStyle/>
           <a:p>
             <a:r>
-              <a:rPr sz="2000">
+              <a:rPr sz="1500">
                 <a:solidFill>
                   <a:srgbClr val="0A4275"/>
                 </a:solidFill>
@@ -4403,7 +4406,7 @@
           <a:lstStyle/>
           <a:p>
             <a:r>
-              <a:rPr b="1" sz="1800">
+              <a:rPr sz="1500" b="1">
                 <a:latin typeface="DengXian"/>
               </a:rPr>
               <a:t>• API未授权访问事件（2月12日）</a:t>
@@ -4434,7 +4437,7 @@
           <a:lstStyle/>
           <a:p>
             <a:r>
-              <a:rPr sz="1600">
+              <a:rPr sz="1500">
                 <a:latin typeface="DengXian"/>
               </a:rPr>
               <a:t>  WAF检测到异常API调用频率（高达800次/分钟），针对CRM系统；发现开发环境API密钥泄露至GitHub公共仓库；30分钟内完成密钥轮换，更新API鉴权机制，无数据泄露</a:t>
@@ -4465,7 +4468,7 @@
           <a:lstStyle/>
           <a:p>
             <a:r>
-              <a:rPr b="1" sz="1800">
+              <a:rPr sz="1500" b="1">
                 <a:latin typeface="DengXian"/>
               </a:rPr>
               <a:t>• 网站SQL注入攻击（1月25日）</a:t>
@@ -4496,7 +4499,7 @@
           <a:lstStyle/>
           <a:p>
             <a:r>
-              <a:rPr sz="1600">
+              <a:rPr sz="1500">
                 <a:latin typeface="DengXian"/>
               </a:rPr>
               <a:t>  检测到针对订单系统的SQL注入尝试，共计367次；攻击者（IP: 103.79.34.15）利用表单字段进行注入；已部署WAF规则拦截，同时修复代码漏洞并进行全面代码审计，避免同类问题</a:t>
